--- a/HackSparrow.pptx
+++ b/HackSparrow.pptx
@@ -10,13 +10,9 @@
     <p:sldId id="261" r:id="rId4"/>
     <p:sldId id="263" r:id="rId5"/>
     <p:sldId id="269" r:id="rId6"/>
-    <p:sldId id="268" r:id="rId7"/>
-    <p:sldId id="264" r:id="rId8"/>
-    <p:sldId id="270" r:id="rId9"/>
-    <p:sldId id="266" r:id="rId10"/>
-    <p:sldId id="267" r:id="rId11"/>
-    <p:sldId id="265" r:id="rId12"/>
-    <p:sldId id="262" r:id="rId13"/>
+    <p:sldId id="267" r:id="rId7"/>
+    <p:sldId id="265" r:id="rId8"/>
+    <p:sldId id="262" r:id="rId9"/>
   </p:sldIdLst>
   <p:sldSz cx="9144000" cy="6858000" type="screen4x3"/>
   <p:notesSz cx="7559675" cy="10691813"/>
@@ -9187,1010 +9183,6 @@
 </p:sld>
 </file>
 
-<file path=ppt/slides/slide10.xml><?xml version="1.0" encoding="utf-8"?>
-<p:sld xmlns:a="http://schemas.openxmlformats.org/drawingml/2006/main" xmlns:r="http://schemas.openxmlformats.org/officeDocument/2006/relationships" xmlns:p="http://schemas.openxmlformats.org/presentationml/2006/main">
-  <p:cSld>
-    <p:spTree>
-      <p:nvGrpSpPr>
-        <p:cNvPr id="1" name=""/>
-        <p:cNvGrpSpPr/>
-        <p:nvPr/>
-      </p:nvGrpSpPr>
-      <p:grpSpPr>
-        <a:xfrm>
-          <a:off x="0" y="0"/>
-          <a:ext cx="0" cy="0"/>
-          <a:chOff x="0" y="0"/>
-          <a:chExt cx="0" cy="0"/>
-        </a:xfrm>
-      </p:grpSpPr>
-      <p:grpSp>
-        <p:nvGrpSpPr>
-          <p:cNvPr id="41" name="Group 8"/>
-          <p:cNvGrpSpPr/>
-          <p:nvPr/>
-        </p:nvGrpSpPr>
-        <p:grpSpPr>
-          <a:xfrm>
-            <a:off x="180" y="77835"/>
-            <a:ext cx="9143820" cy="1032525"/>
-            <a:chOff x="0" y="4243980"/>
-            <a:chExt cx="12191760" cy="1376700"/>
-          </a:xfrm>
-        </p:grpSpPr>
-        <p:sp>
-          <p:nvSpPr>
-            <p:cNvPr id="42" name="TextBox 5"/>
-            <p:cNvSpPr/>
-            <p:nvPr/>
-          </p:nvSpPr>
-          <p:spPr>
-            <a:xfrm>
-              <a:off x="1245467" y="4243980"/>
-              <a:ext cx="9249480" cy="1106541"/>
-            </a:xfrm>
-            <a:prstGeom prst="rect">
-              <a:avLst/>
-            </a:prstGeom>
-            <a:noFill/>
-            <a:ln w="0">
-              <a:noFill/>
-            </a:ln>
-          </p:spPr>
-          <p:style>
-            <a:lnRef idx="0">
-              <a:scrgbClr r="0" g="0" b="0"/>
-            </a:lnRef>
-            <a:fillRef idx="0">
-              <a:scrgbClr r="0" g="0" b="0"/>
-            </a:fillRef>
-            <a:effectRef idx="0">
-              <a:scrgbClr r="0" g="0" b="0"/>
-            </a:effectRef>
-            <a:fontRef idx="minor"/>
-          </p:style>
-          <p:txBody>
-            <a:bodyPr lIns="67500" tIns="33750" rIns="67500" bIns="33750" anchor="t">
-              <a:spAutoFit/>
-            </a:bodyPr>
-            <a:lstStyle/>
-            <a:p>
-              <a:pPr algn="ctr" defTabSz="685800"/>
-              <a:r>
-                <a:rPr lang="en-US" b="1" spc="-1" dirty="0">
-                  <a:solidFill>
-                    <a:schemeClr val="accent1">
-                      <a:lumMod val="50000"/>
-                    </a:schemeClr>
-                  </a:solidFill>
-                  <a:latin typeface="Times New Roman"/>
-                </a:rPr>
-                <a:t>COEP Technological University</a:t>
-              </a:r>
-              <a:endParaRPr lang="en-US" spc="-1" dirty="0">
-                <a:solidFill>
-                  <a:srgbClr val="000000"/>
-                </a:solidFill>
-                <a:latin typeface="Arial"/>
-              </a:endParaRPr>
-            </a:p>
-            <a:p>
-              <a:pPr algn="ctr" defTabSz="685800"/>
-              <a:r>
-                <a:rPr lang="en-US" b="1" spc="-1" dirty="0">
-                  <a:solidFill>
-                    <a:schemeClr val="accent1">
-                      <a:lumMod val="50000"/>
-                    </a:schemeClr>
-                  </a:solidFill>
-                  <a:latin typeface="Times New Roman"/>
-                </a:rPr>
-                <a:t> </a:t>
-              </a:r>
-              <a:r>
-                <a:rPr lang="en-US" sz="1350" b="1" spc="-1" dirty="0">
-                  <a:solidFill>
-                    <a:schemeClr val="accent1">
-                      <a:lumMod val="50000"/>
-                    </a:schemeClr>
-                  </a:solidFill>
-                  <a:latin typeface="Times New Roman"/>
-                </a:rPr>
-                <a:t>A Unitary Public University of Govt. of Maharashtra</a:t>
-              </a:r>
-              <a:endParaRPr lang="en-US" sz="1350" spc="-1" dirty="0">
-                <a:solidFill>
-                  <a:srgbClr val="000000"/>
-                </a:solidFill>
-                <a:latin typeface="Arial"/>
-              </a:endParaRPr>
-            </a:p>
-            <a:p>
-              <a:pPr algn="ctr" defTabSz="685800"/>
-              <a:r>
-                <a:rPr lang="en-US" sz="1350" b="1" spc="-1" dirty="0">
-                  <a:solidFill>
-                    <a:schemeClr val="accent1">
-                      <a:lumMod val="50000"/>
-                    </a:schemeClr>
-                  </a:solidFill>
-                  <a:latin typeface="Times New Roman"/>
-                </a:rPr>
-                <a:t>Formerly College of Engineering Pune</a:t>
-              </a:r>
-              <a:endParaRPr lang="en-US" sz="1350" spc="-1" dirty="0">
-                <a:solidFill>
-                  <a:srgbClr val="000000"/>
-                </a:solidFill>
-                <a:latin typeface="Arial"/>
-              </a:endParaRPr>
-            </a:p>
-          </p:txBody>
-        </p:sp>
-        <p:pic>
-          <p:nvPicPr>
-            <p:cNvPr id="43" name="Picture 6" descr="Home"/>
-            <p:cNvPicPr/>
-            <p:nvPr/>
-          </p:nvPicPr>
-          <p:blipFill>
-            <a:blip r:embed="rId2"/>
-            <a:srcRect r="67914"/>
-            <a:stretch/>
-          </p:blipFill>
-          <p:spPr>
-            <a:xfrm>
-              <a:off x="186840" y="4320281"/>
-              <a:ext cx="1442160" cy="1107720"/>
-            </a:xfrm>
-            <a:prstGeom prst="rect">
-              <a:avLst/>
-            </a:prstGeom>
-            <a:ln w="0">
-              <a:noFill/>
-            </a:ln>
-          </p:spPr>
-        </p:pic>
-        <p:sp>
-          <p:nvSpPr>
-            <p:cNvPr id="44" name="Rectangle 7"/>
-            <p:cNvSpPr/>
-            <p:nvPr/>
-          </p:nvSpPr>
-          <p:spPr>
-            <a:xfrm>
-              <a:off x="0" y="5505480"/>
-              <a:ext cx="12191760" cy="115200"/>
-            </a:xfrm>
-            <a:prstGeom prst="rect">
-              <a:avLst/>
-            </a:prstGeom>
-            <a:solidFill>
-              <a:schemeClr val="accent1">
-                <a:lumMod val="50000"/>
-              </a:schemeClr>
-            </a:solidFill>
-            <a:ln>
-              <a:solidFill>
-                <a:srgbClr val="325490"/>
-              </a:solidFill>
-            </a:ln>
-          </p:spPr>
-          <p:style>
-            <a:lnRef idx="2">
-              <a:schemeClr val="accent1">
-                <a:shade val="50000"/>
-              </a:schemeClr>
-            </a:lnRef>
-            <a:fillRef idx="1">
-              <a:schemeClr val="accent1"/>
-            </a:fillRef>
-            <a:effectRef idx="0">
-              <a:schemeClr val="accent1"/>
-            </a:effectRef>
-            <a:fontRef idx="minor"/>
-          </p:style>
-          <p:txBody>
-            <a:bodyPr lIns="67500" tIns="33750" rIns="67500" bIns="33750" anchor="ctr">
-              <a:noAutofit/>
-            </a:bodyPr>
-            <a:lstStyle/>
-            <a:p>
-              <a:pPr algn="ctr" defTabSz="685800"/>
-              <a:endParaRPr lang="en-IN" sz="1350" spc="-1">
-                <a:solidFill>
-                  <a:schemeClr val="lt1"/>
-                </a:solidFill>
-                <a:latin typeface="Calibri"/>
-              </a:endParaRPr>
-            </a:p>
-          </p:txBody>
-        </p:sp>
-      </p:grpSp>
-      <p:sp>
-        <p:nvSpPr>
-          <p:cNvPr id="2" name="Rectangle 1">
-            <a:extLst>
-              <a:ext uri="{FF2B5EF4-FFF2-40B4-BE49-F238E27FC236}">
-                <a16:creationId xmlns:a16="http://schemas.microsoft.com/office/drawing/2014/main" id="{87B6F943-C8D2-4868-F286-B7E7FB334943}"/>
-              </a:ext>
-            </a:extLst>
-          </p:cNvPr>
-          <p:cNvSpPr>
-            <a:spLocks noChangeArrowheads="1"/>
-          </p:cNvSpPr>
-          <p:nvPr/>
-        </p:nvSpPr>
-        <p:spPr bwMode="auto">
-          <a:xfrm>
-            <a:off x="0" y="0"/>
-            <a:ext cx="9144000" cy="0"/>
-          </a:xfrm>
-          <a:prstGeom prst="rect">
-            <a:avLst/>
-          </a:prstGeom>
-          <a:noFill/>
-          <a:ln>
-            <a:noFill/>
-          </a:ln>
-          <a:effectLst/>
-          <a:extLst>
-            <a:ext uri="{909E8E84-426E-40DD-AFC4-6F175D3DCCD1}">
-              <a14:hiddenFill xmlns:a14="http://schemas.microsoft.com/office/drawing/2010/main">
-                <a:solidFill>
-                  <a:schemeClr val="accent1"/>
-                </a:solidFill>
-              </a14:hiddenFill>
-            </a:ext>
-            <a:ext uri="{91240B29-F687-4F45-9708-019B960494DF}">
-              <a14:hiddenLine xmlns:a14="http://schemas.microsoft.com/office/drawing/2010/main" w="9525">
-                <a:solidFill>
-                  <a:schemeClr val="tx1"/>
-                </a:solidFill>
-                <a:miter lim="800000"/>
-                <a:headEnd/>
-                <a:tailEnd/>
-              </a14:hiddenLine>
-            </a:ext>
-            <a:ext uri="{AF507438-7753-43E0-B8FC-AC1667EBCBE1}">
-              <a14:hiddenEffects xmlns:a14="http://schemas.microsoft.com/office/drawing/2010/main">
-                <a:effectLst>
-                  <a:outerShdw dist="35921" dir="2700000" algn="ctr" rotWithShape="0">
-                    <a:schemeClr val="bg2"/>
-                  </a:outerShdw>
-                </a:effectLst>
-              </a14:hiddenEffects>
-            </a:ext>
-          </a:extLst>
-        </p:spPr>
-        <p:txBody>
-          <a:bodyPr vert="horz" wrap="none" lIns="91440" tIns="45720" rIns="91440" bIns="45720" numCol="1" anchor="ctr" anchorCtr="0" compatLnSpc="1">
-            <a:prstTxWarp prst="textNoShape">
-              <a:avLst/>
-            </a:prstTxWarp>
-            <a:spAutoFit/>
-          </a:bodyPr>
-          <a:lstStyle/>
-          <a:p>
-            <a:endParaRPr lang="en-IN"/>
-          </a:p>
-        </p:txBody>
-      </p:sp>
-      <p:pic>
-        <p:nvPicPr>
-          <p:cNvPr id="8" name="Picture 7">
-            <a:extLst>
-              <a:ext uri="{FF2B5EF4-FFF2-40B4-BE49-F238E27FC236}">
-                <a16:creationId xmlns:a16="http://schemas.microsoft.com/office/drawing/2014/main" id="{4ED020C7-D6A4-B0A9-A6C8-85AD606EC46F}"/>
-              </a:ext>
-            </a:extLst>
-          </p:cNvPr>
-          <p:cNvPicPr>
-            <a:picLocks noChangeAspect="1"/>
-          </p:cNvPicPr>
-          <p:nvPr/>
-        </p:nvPicPr>
-        <p:blipFill>
-          <a:blip r:embed="rId3"/>
-          <a:stretch>
-            <a:fillRect/>
-          </a:stretch>
-        </p:blipFill>
-        <p:spPr>
-          <a:xfrm>
-            <a:off x="2683497" y="1226579"/>
-            <a:ext cx="4547038" cy="4877888"/>
-          </a:xfrm>
-          <a:prstGeom prst="rect">
-            <a:avLst/>
-          </a:prstGeom>
-        </p:spPr>
-      </p:pic>
-      <p:sp>
-        <p:nvSpPr>
-          <p:cNvPr id="9" name="TextBox 8">
-            <a:extLst>
-              <a:ext uri="{FF2B5EF4-FFF2-40B4-BE49-F238E27FC236}">
-                <a16:creationId xmlns:a16="http://schemas.microsoft.com/office/drawing/2014/main" id="{9D11597E-B1F2-963F-0916-B6A5AA8ACCE9}"/>
-              </a:ext>
-            </a:extLst>
-          </p:cNvPr>
-          <p:cNvSpPr txBox="1"/>
-          <p:nvPr/>
-        </p:nvSpPr>
-        <p:spPr>
-          <a:xfrm>
-            <a:off x="211666" y="1447799"/>
-            <a:ext cx="2590800" cy="830997"/>
-          </a:xfrm>
-          <a:prstGeom prst="rect">
-            <a:avLst/>
-          </a:prstGeom>
-          <a:noFill/>
-        </p:spPr>
-        <p:txBody>
-          <a:bodyPr wrap="square" rtlCol="0">
-            <a:spAutoFit/>
-          </a:bodyPr>
-          <a:lstStyle/>
-          <a:p>
-            <a:r>
-              <a:rPr lang="en-IN" sz="2400" dirty="0">
-                <a:effectLst>
-                  <a:outerShdw blurRad="38100" dist="38100" dir="2700000" algn="tl">
-                    <a:srgbClr val="000000">
-                      <a:alpha val="43137"/>
-                    </a:srgbClr>
-                  </a:outerShdw>
-                </a:effectLst>
-              </a:rPr>
-              <a:t>Architecture</a:t>
-            </a:r>
-          </a:p>
-          <a:p>
-            <a:pPr algn="ctr"/>
-            <a:r>
-              <a:rPr lang="en-IN" sz="2400" dirty="0">
-                <a:effectLst>
-                  <a:outerShdw blurRad="38100" dist="38100" dir="2700000" algn="tl">
-                    <a:srgbClr val="000000">
-                      <a:alpha val="43137"/>
-                    </a:srgbClr>
-                  </a:outerShdw>
-                </a:effectLst>
-              </a:rPr>
-              <a:t>Diagram: </a:t>
-            </a:r>
-          </a:p>
-        </p:txBody>
-      </p:sp>
-    </p:spTree>
-    <p:extLst>
-      <p:ext uri="{BB962C8B-B14F-4D97-AF65-F5344CB8AC3E}">
-        <p14:creationId xmlns:p14="http://schemas.microsoft.com/office/powerpoint/2010/main" val="2984622868"/>
-      </p:ext>
-    </p:extLst>
-  </p:cSld>
-  <p:clrMapOvr>
-    <a:masterClrMapping/>
-  </p:clrMapOvr>
-  <mc:AlternateContent xmlns:mc="http://schemas.openxmlformats.org/markup-compatibility/2006">
-    <mc:Choice xmlns:p14="http://schemas.microsoft.com/office/powerpoint/2010/main" Requires="p14">
-      <p:transition p14:dur="10"/>
-    </mc:Choice>
-    <mc:Fallback>
-      <p:transition/>
-    </mc:Fallback>
-  </mc:AlternateContent>
-</p:sld>
-</file>
-
-<file path=ppt/slides/slide11.xml><?xml version="1.0" encoding="utf-8"?>
-<p:sld xmlns:a="http://schemas.openxmlformats.org/drawingml/2006/main" xmlns:r="http://schemas.openxmlformats.org/officeDocument/2006/relationships" xmlns:p="http://schemas.openxmlformats.org/presentationml/2006/main">
-  <p:cSld>
-    <p:spTree>
-      <p:nvGrpSpPr>
-        <p:cNvPr id="1" name=""/>
-        <p:cNvGrpSpPr/>
-        <p:nvPr/>
-      </p:nvGrpSpPr>
-      <p:grpSpPr>
-        <a:xfrm>
-          <a:off x="0" y="0"/>
-          <a:ext cx="0" cy="0"/>
-          <a:chOff x="0" y="0"/>
-          <a:chExt cx="0" cy="0"/>
-        </a:xfrm>
-      </p:grpSpPr>
-      <p:grpSp>
-        <p:nvGrpSpPr>
-          <p:cNvPr id="41" name="Group 8"/>
-          <p:cNvGrpSpPr/>
-          <p:nvPr/>
-        </p:nvGrpSpPr>
-        <p:grpSpPr>
-          <a:xfrm>
-            <a:off x="180" y="77835"/>
-            <a:ext cx="9143820" cy="1032525"/>
-            <a:chOff x="0" y="4243980"/>
-            <a:chExt cx="12191760" cy="1376700"/>
-          </a:xfrm>
-        </p:grpSpPr>
-        <p:sp>
-          <p:nvSpPr>
-            <p:cNvPr id="42" name="TextBox 5"/>
-            <p:cNvSpPr/>
-            <p:nvPr/>
-          </p:nvSpPr>
-          <p:spPr>
-            <a:xfrm>
-              <a:off x="1245467" y="4243980"/>
-              <a:ext cx="9249480" cy="1106541"/>
-            </a:xfrm>
-            <a:prstGeom prst="rect">
-              <a:avLst/>
-            </a:prstGeom>
-            <a:noFill/>
-            <a:ln w="0">
-              <a:noFill/>
-            </a:ln>
-          </p:spPr>
-          <p:style>
-            <a:lnRef idx="0">
-              <a:scrgbClr r="0" g="0" b="0"/>
-            </a:lnRef>
-            <a:fillRef idx="0">
-              <a:scrgbClr r="0" g="0" b="0"/>
-            </a:fillRef>
-            <a:effectRef idx="0">
-              <a:scrgbClr r="0" g="0" b="0"/>
-            </a:effectRef>
-            <a:fontRef idx="minor"/>
-          </p:style>
-          <p:txBody>
-            <a:bodyPr lIns="67500" tIns="33750" rIns="67500" bIns="33750" anchor="t">
-              <a:spAutoFit/>
-            </a:bodyPr>
-            <a:lstStyle/>
-            <a:p>
-              <a:pPr algn="ctr" defTabSz="685800"/>
-              <a:r>
-                <a:rPr lang="en-US" b="1" spc="-1" dirty="0">
-                  <a:solidFill>
-                    <a:schemeClr val="accent1">
-                      <a:lumMod val="50000"/>
-                    </a:schemeClr>
-                  </a:solidFill>
-                  <a:latin typeface="Times New Roman"/>
-                </a:rPr>
-                <a:t>COEP Technological University</a:t>
-              </a:r>
-              <a:endParaRPr lang="en-US" spc="-1" dirty="0">
-                <a:solidFill>
-                  <a:srgbClr val="000000"/>
-                </a:solidFill>
-                <a:latin typeface="Arial"/>
-              </a:endParaRPr>
-            </a:p>
-            <a:p>
-              <a:pPr algn="ctr" defTabSz="685800"/>
-              <a:r>
-                <a:rPr lang="en-US" b="1" spc="-1" dirty="0">
-                  <a:solidFill>
-                    <a:schemeClr val="accent1">
-                      <a:lumMod val="50000"/>
-                    </a:schemeClr>
-                  </a:solidFill>
-                  <a:latin typeface="Times New Roman"/>
-                </a:rPr>
-                <a:t> </a:t>
-              </a:r>
-              <a:r>
-                <a:rPr lang="en-US" sz="1350" b="1" spc="-1" dirty="0">
-                  <a:solidFill>
-                    <a:schemeClr val="accent1">
-                      <a:lumMod val="50000"/>
-                    </a:schemeClr>
-                  </a:solidFill>
-                  <a:latin typeface="Times New Roman"/>
-                </a:rPr>
-                <a:t>A Unitary Public University of Govt. of Maharashtra</a:t>
-              </a:r>
-              <a:endParaRPr lang="en-US" sz="1350" spc="-1" dirty="0">
-                <a:solidFill>
-                  <a:srgbClr val="000000"/>
-                </a:solidFill>
-                <a:latin typeface="Arial"/>
-              </a:endParaRPr>
-            </a:p>
-            <a:p>
-              <a:pPr algn="ctr" defTabSz="685800"/>
-              <a:r>
-                <a:rPr lang="en-US" sz="1350" b="1" spc="-1" dirty="0">
-                  <a:solidFill>
-                    <a:schemeClr val="accent1">
-                      <a:lumMod val="50000"/>
-                    </a:schemeClr>
-                  </a:solidFill>
-                  <a:latin typeface="Times New Roman"/>
-                </a:rPr>
-                <a:t>Formerly College of Engineering Pune</a:t>
-              </a:r>
-              <a:endParaRPr lang="en-US" sz="1350" spc="-1" dirty="0">
-                <a:solidFill>
-                  <a:srgbClr val="000000"/>
-                </a:solidFill>
-                <a:latin typeface="Arial"/>
-              </a:endParaRPr>
-            </a:p>
-          </p:txBody>
-        </p:sp>
-        <p:pic>
-          <p:nvPicPr>
-            <p:cNvPr id="43" name="Picture 6" descr="Home"/>
-            <p:cNvPicPr/>
-            <p:nvPr/>
-          </p:nvPicPr>
-          <p:blipFill>
-            <a:blip r:embed="rId2"/>
-            <a:srcRect r="67914"/>
-            <a:stretch/>
-          </p:blipFill>
-          <p:spPr>
-            <a:xfrm>
-              <a:off x="186840" y="4320281"/>
-              <a:ext cx="1442160" cy="1107720"/>
-            </a:xfrm>
-            <a:prstGeom prst="rect">
-              <a:avLst/>
-            </a:prstGeom>
-            <a:ln w="0">
-              <a:noFill/>
-            </a:ln>
-          </p:spPr>
-        </p:pic>
-        <p:sp>
-          <p:nvSpPr>
-            <p:cNvPr id="44" name="Rectangle 7"/>
-            <p:cNvSpPr/>
-            <p:nvPr/>
-          </p:nvSpPr>
-          <p:spPr>
-            <a:xfrm>
-              <a:off x="0" y="5505480"/>
-              <a:ext cx="12191760" cy="115200"/>
-            </a:xfrm>
-            <a:prstGeom prst="rect">
-              <a:avLst/>
-            </a:prstGeom>
-            <a:solidFill>
-              <a:schemeClr val="accent1">
-                <a:lumMod val="50000"/>
-              </a:schemeClr>
-            </a:solidFill>
-            <a:ln>
-              <a:solidFill>
-                <a:srgbClr val="325490"/>
-              </a:solidFill>
-            </a:ln>
-          </p:spPr>
-          <p:style>
-            <a:lnRef idx="2">
-              <a:schemeClr val="accent1">
-                <a:shade val="50000"/>
-              </a:schemeClr>
-            </a:lnRef>
-            <a:fillRef idx="1">
-              <a:schemeClr val="accent1"/>
-            </a:fillRef>
-            <a:effectRef idx="0">
-              <a:schemeClr val="accent1"/>
-            </a:effectRef>
-            <a:fontRef idx="minor"/>
-          </p:style>
-          <p:txBody>
-            <a:bodyPr lIns="67500" tIns="33750" rIns="67500" bIns="33750" anchor="ctr">
-              <a:noAutofit/>
-            </a:bodyPr>
-            <a:lstStyle/>
-            <a:p>
-              <a:pPr algn="ctr" defTabSz="685800"/>
-              <a:endParaRPr lang="en-IN" sz="1350" spc="-1">
-                <a:solidFill>
-                  <a:schemeClr val="lt1"/>
-                </a:solidFill>
-                <a:latin typeface="Calibri"/>
-              </a:endParaRPr>
-            </a:p>
-          </p:txBody>
-        </p:sp>
-      </p:grpSp>
-      <p:sp>
-        <p:nvSpPr>
-          <p:cNvPr id="3" name="TextBox 2">
-            <a:extLst>
-              <a:ext uri="{FF2B5EF4-FFF2-40B4-BE49-F238E27FC236}">
-                <a16:creationId xmlns:a16="http://schemas.microsoft.com/office/drawing/2014/main" id="{4E6122EA-AD2A-BE9D-B3AA-1C7093515269}"/>
-              </a:ext>
-            </a:extLst>
-          </p:cNvPr>
-          <p:cNvSpPr txBox="1"/>
-          <p:nvPr/>
-        </p:nvSpPr>
-        <p:spPr>
-          <a:xfrm>
-            <a:off x="1981200" y="1067160"/>
-            <a:ext cx="3962400" cy="646331"/>
-          </a:xfrm>
-          <a:prstGeom prst="rect">
-            <a:avLst/>
-          </a:prstGeom>
-          <a:noFill/>
-        </p:spPr>
-        <p:txBody>
-          <a:bodyPr wrap="square" rtlCol="0">
-            <a:spAutoFit/>
-          </a:bodyPr>
-          <a:lstStyle/>
-          <a:p>
-            <a:pPr algn="ctr"/>
-            <a:r>
-              <a:rPr lang="en-IN" sz="3600" dirty="0">
-                <a:effectLst>
-                  <a:outerShdw blurRad="38100" dist="38100" dir="2700000" algn="tl">
-                    <a:srgbClr val="000000">
-                      <a:alpha val="43137"/>
-                    </a:srgbClr>
-                  </a:outerShdw>
-                </a:effectLst>
-              </a:rPr>
-              <a:t>Future Scope</a:t>
-            </a:r>
-          </a:p>
-        </p:txBody>
-      </p:sp>
-      <p:sp>
-        <p:nvSpPr>
-          <p:cNvPr id="4" name="TextBox 3">
-            <a:extLst>
-              <a:ext uri="{FF2B5EF4-FFF2-40B4-BE49-F238E27FC236}">
-                <a16:creationId xmlns:a16="http://schemas.microsoft.com/office/drawing/2014/main" id="{D61EF4AD-D53A-90CA-E968-8BBE5050480D}"/>
-              </a:ext>
-            </a:extLst>
-          </p:cNvPr>
-          <p:cNvSpPr txBox="1"/>
-          <p:nvPr/>
-        </p:nvSpPr>
-        <p:spPr>
-          <a:xfrm>
-            <a:off x="1044347" y="1889841"/>
-            <a:ext cx="6262387" cy="3323987"/>
-          </a:xfrm>
-          <a:prstGeom prst="rect">
-            <a:avLst/>
-          </a:prstGeom>
-          <a:noFill/>
-        </p:spPr>
-        <p:txBody>
-          <a:bodyPr wrap="square" rtlCol="0">
-            <a:spAutoFit/>
-          </a:bodyPr>
-          <a:lstStyle/>
-          <a:p>
-            <a:r>
-              <a:rPr lang="en-US" sz="2400" dirty="0"/>
-              <a:t>Mess Billing and No Due Certificates</a:t>
-            </a:r>
-            <a:r>
-              <a:rPr lang="en-US" dirty="0"/>
-              <a:t> The mess staff can add or clear bills in the system, and notifications will be sent to each student on their profiles. Once all bills are settled by the mess staff and hostel administrators, a digital no-due certificate will be automatically generated for hostel allocation</a:t>
-            </a:r>
-          </a:p>
-          <a:p>
-            <a:endParaRPr lang="en-US" dirty="0"/>
-          </a:p>
-          <a:p>
-            <a:r>
-              <a:rPr lang="en-US" sz="2400" dirty="0"/>
-              <a:t>Automatic Allotment System </a:t>
-            </a:r>
-            <a:r>
-              <a:rPr lang="en-US" dirty="0"/>
-              <a:t>Once the administration has assigned students their allotment, the students can then submit their preferred room choices in order of priority. The application will assign rooms automatically according to the allotment sequence, pending approval by the administrators</a:t>
-            </a:r>
-            <a:endParaRPr lang="en-IN" dirty="0"/>
-          </a:p>
-        </p:txBody>
-      </p:sp>
-    </p:spTree>
-    <p:extLst>
-      <p:ext uri="{BB962C8B-B14F-4D97-AF65-F5344CB8AC3E}">
-        <p14:creationId xmlns:p14="http://schemas.microsoft.com/office/powerpoint/2010/main" val="361098763"/>
-      </p:ext>
-    </p:extLst>
-  </p:cSld>
-  <p:clrMapOvr>
-    <a:masterClrMapping/>
-  </p:clrMapOvr>
-</p:sld>
-</file>
-
-<file path=ppt/slides/slide12.xml><?xml version="1.0" encoding="utf-8"?>
-<p:sld xmlns:a="http://schemas.openxmlformats.org/drawingml/2006/main" xmlns:r="http://schemas.openxmlformats.org/officeDocument/2006/relationships" xmlns:p="http://schemas.openxmlformats.org/presentationml/2006/main">
-  <p:cSld>
-    <p:spTree>
-      <p:nvGrpSpPr>
-        <p:cNvPr id="1" name=""/>
-        <p:cNvGrpSpPr/>
-        <p:nvPr/>
-      </p:nvGrpSpPr>
-      <p:grpSpPr>
-        <a:xfrm>
-          <a:off x="0" y="0"/>
-          <a:ext cx="0" cy="0"/>
-          <a:chOff x="0" y="0"/>
-          <a:chExt cx="0" cy="0"/>
-        </a:xfrm>
-      </p:grpSpPr>
-      <p:grpSp>
-        <p:nvGrpSpPr>
-          <p:cNvPr id="41" name="Group 8"/>
-          <p:cNvGrpSpPr/>
-          <p:nvPr/>
-        </p:nvGrpSpPr>
-        <p:grpSpPr>
-          <a:xfrm>
-            <a:off x="180" y="77835"/>
-            <a:ext cx="9143820" cy="1032525"/>
-            <a:chOff x="0" y="4243980"/>
-            <a:chExt cx="12191760" cy="1376700"/>
-          </a:xfrm>
-        </p:grpSpPr>
-        <p:sp>
-          <p:nvSpPr>
-            <p:cNvPr id="42" name="TextBox 5"/>
-            <p:cNvSpPr/>
-            <p:nvPr/>
-          </p:nvSpPr>
-          <p:spPr>
-            <a:xfrm>
-              <a:off x="1245467" y="4243980"/>
-              <a:ext cx="9249480" cy="1106541"/>
-            </a:xfrm>
-            <a:prstGeom prst="rect">
-              <a:avLst/>
-            </a:prstGeom>
-            <a:noFill/>
-            <a:ln w="0">
-              <a:noFill/>
-            </a:ln>
-          </p:spPr>
-          <p:style>
-            <a:lnRef idx="0">
-              <a:scrgbClr r="0" g="0" b="0"/>
-            </a:lnRef>
-            <a:fillRef idx="0">
-              <a:scrgbClr r="0" g="0" b="0"/>
-            </a:fillRef>
-            <a:effectRef idx="0">
-              <a:scrgbClr r="0" g="0" b="0"/>
-            </a:effectRef>
-            <a:fontRef idx="minor"/>
-          </p:style>
-          <p:txBody>
-            <a:bodyPr lIns="67500" tIns="33750" rIns="67500" bIns="33750" anchor="t">
-              <a:spAutoFit/>
-            </a:bodyPr>
-            <a:lstStyle/>
-            <a:p>
-              <a:pPr algn="ctr" defTabSz="685800"/>
-              <a:r>
-                <a:rPr lang="en-US" b="1" spc="-1" dirty="0">
-                  <a:solidFill>
-                    <a:schemeClr val="accent1">
-                      <a:lumMod val="50000"/>
-                    </a:schemeClr>
-                  </a:solidFill>
-                  <a:latin typeface="Times New Roman"/>
-                </a:rPr>
-                <a:t>COEP Technological University</a:t>
-              </a:r>
-              <a:endParaRPr lang="en-US" spc="-1" dirty="0">
-                <a:solidFill>
-                  <a:srgbClr val="000000"/>
-                </a:solidFill>
-                <a:latin typeface="Arial"/>
-              </a:endParaRPr>
-            </a:p>
-            <a:p>
-              <a:pPr algn="ctr" defTabSz="685800"/>
-              <a:r>
-                <a:rPr lang="en-US" b="1" spc="-1" dirty="0">
-                  <a:solidFill>
-                    <a:schemeClr val="accent1">
-                      <a:lumMod val="50000"/>
-                    </a:schemeClr>
-                  </a:solidFill>
-                  <a:latin typeface="Times New Roman"/>
-                </a:rPr>
-                <a:t> </a:t>
-              </a:r>
-              <a:r>
-                <a:rPr lang="en-US" sz="1350" b="1" spc="-1" dirty="0">
-                  <a:solidFill>
-                    <a:schemeClr val="accent1">
-                      <a:lumMod val="50000"/>
-                    </a:schemeClr>
-                  </a:solidFill>
-                  <a:latin typeface="Times New Roman"/>
-                </a:rPr>
-                <a:t>A Unitary Public University of Govt. of Maharashtra</a:t>
-              </a:r>
-              <a:endParaRPr lang="en-US" sz="1350" spc="-1" dirty="0">
-                <a:solidFill>
-                  <a:srgbClr val="000000"/>
-                </a:solidFill>
-                <a:latin typeface="Arial"/>
-              </a:endParaRPr>
-            </a:p>
-            <a:p>
-              <a:pPr algn="ctr" defTabSz="685800"/>
-              <a:r>
-                <a:rPr lang="en-US" sz="1350" b="1" spc="-1" dirty="0">
-                  <a:solidFill>
-                    <a:schemeClr val="accent1">
-                      <a:lumMod val="50000"/>
-                    </a:schemeClr>
-                  </a:solidFill>
-                  <a:latin typeface="Times New Roman"/>
-                </a:rPr>
-                <a:t>Formerly College of Engineering Pune</a:t>
-              </a:r>
-              <a:endParaRPr lang="en-US" sz="1350" spc="-1" dirty="0">
-                <a:solidFill>
-                  <a:srgbClr val="000000"/>
-                </a:solidFill>
-                <a:latin typeface="Arial"/>
-              </a:endParaRPr>
-            </a:p>
-          </p:txBody>
-        </p:sp>
-        <p:pic>
-          <p:nvPicPr>
-            <p:cNvPr id="43" name="Picture 6" descr="Home"/>
-            <p:cNvPicPr/>
-            <p:nvPr/>
-          </p:nvPicPr>
-          <p:blipFill>
-            <a:blip r:embed="rId2"/>
-            <a:srcRect r="67914"/>
-            <a:stretch/>
-          </p:blipFill>
-          <p:spPr>
-            <a:xfrm>
-              <a:off x="186840" y="4320281"/>
-              <a:ext cx="1442160" cy="1107720"/>
-            </a:xfrm>
-            <a:prstGeom prst="rect">
-              <a:avLst/>
-            </a:prstGeom>
-            <a:ln w="0">
-              <a:noFill/>
-            </a:ln>
-          </p:spPr>
-        </p:pic>
-        <p:sp>
-          <p:nvSpPr>
-            <p:cNvPr id="44" name="Rectangle 7"/>
-            <p:cNvSpPr/>
-            <p:nvPr/>
-          </p:nvSpPr>
-          <p:spPr>
-            <a:xfrm>
-              <a:off x="0" y="5505480"/>
-              <a:ext cx="12191760" cy="115200"/>
-            </a:xfrm>
-            <a:prstGeom prst="rect">
-              <a:avLst/>
-            </a:prstGeom>
-            <a:solidFill>
-              <a:schemeClr val="accent1">
-                <a:lumMod val="50000"/>
-              </a:schemeClr>
-            </a:solidFill>
-            <a:ln>
-              <a:solidFill>
-                <a:srgbClr val="325490"/>
-              </a:solidFill>
-            </a:ln>
-          </p:spPr>
-          <p:style>
-            <a:lnRef idx="2">
-              <a:schemeClr val="accent1">
-                <a:shade val="50000"/>
-              </a:schemeClr>
-            </a:lnRef>
-            <a:fillRef idx="1">
-              <a:schemeClr val="accent1"/>
-            </a:fillRef>
-            <a:effectRef idx="0">
-              <a:schemeClr val="accent1"/>
-            </a:effectRef>
-            <a:fontRef idx="minor"/>
-          </p:style>
-          <p:txBody>
-            <a:bodyPr lIns="67500" tIns="33750" rIns="67500" bIns="33750" anchor="ctr">
-              <a:noAutofit/>
-            </a:bodyPr>
-            <a:lstStyle/>
-            <a:p>
-              <a:pPr algn="ctr" defTabSz="685800"/>
-              <a:endParaRPr lang="en-IN" sz="1350" spc="-1">
-                <a:solidFill>
-                  <a:schemeClr val="lt1"/>
-                </a:solidFill>
-                <a:latin typeface="Calibri"/>
-              </a:endParaRPr>
-            </a:p>
-          </p:txBody>
-        </p:sp>
-      </p:grpSp>
-      <p:sp>
-        <p:nvSpPr>
-          <p:cNvPr id="3" name="TextBox 2">
-            <a:extLst>
-              <a:ext uri="{FF2B5EF4-FFF2-40B4-BE49-F238E27FC236}">
-                <a16:creationId xmlns:a16="http://schemas.microsoft.com/office/drawing/2014/main" id="{A77D15B1-0A6F-93E6-95F1-F0DD15994109}"/>
-              </a:ext>
-            </a:extLst>
-          </p:cNvPr>
-          <p:cNvSpPr txBox="1"/>
-          <p:nvPr/>
-        </p:nvSpPr>
-        <p:spPr>
-          <a:xfrm>
-            <a:off x="2573867" y="2362200"/>
-            <a:ext cx="3198504" cy="707886"/>
-          </a:xfrm>
-          <a:prstGeom prst="rect">
-            <a:avLst/>
-          </a:prstGeom>
-          <a:noFill/>
-        </p:spPr>
-        <p:txBody>
-          <a:bodyPr wrap="none" rtlCol="0">
-            <a:spAutoFit/>
-          </a:bodyPr>
-          <a:lstStyle/>
-          <a:p>
-            <a:r>
-              <a:rPr lang="en-IN" sz="4000" dirty="0">
-                <a:effectLst>
-                  <a:outerShdw blurRad="38100" dist="38100" dir="2700000" algn="tl">
-                    <a:srgbClr val="000000">
-                      <a:alpha val="43137"/>
-                    </a:srgbClr>
-                  </a:outerShdw>
-                </a:effectLst>
-              </a:rPr>
-              <a:t>THANK YOU</a:t>
-            </a:r>
-          </a:p>
-        </p:txBody>
-      </p:sp>
-    </p:spTree>
-    <p:extLst>
-      <p:ext uri="{BB962C8B-B14F-4D97-AF65-F5344CB8AC3E}">
-        <p14:creationId xmlns:p14="http://schemas.microsoft.com/office/powerpoint/2010/main" val="3757328131"/>
-      </p:ext>
-    </p:extLst>
-  </p:cSld>
-  <p:clrMapOvr>
-    <a:masterClrMapping/>
-  </p:clrMapOvr>
-</p:sld>
-</file>
-
 <file path=ppt/slides/slide2.xml><?xml version="1.0" encoding="utf-8"?>
 <p:sld xmlns:a="http://schemas.openxmlformats.org/drawingml/2006/main" xmlns:r="http://schemas.openxmlformats.org/officeDocument/2006/relationships" xmlns:p="http://schemas.openxmlformats.org/presentationml/2006/main">
   <p:cSld>
@@ -11156,7 +10148,7 @@
         <p:spPr>
           <a:xfrm>
             <a:off x="272390" y="1615439"/>
-            <a:ext cx="8008010" cy="8837975"/>
+            <a:ext cx="8008010" cy="9630522"/>
           </a:xfrm>
           <a:prstGeom prst="rect">
             <a:avLst/>
@@ -11210,7 +10202,7 @@
             </a:r>
             <a:r>
               <a:rPr lang="en-IN" sz="2400" dirty="0"/>
-              <a:t>                           Database MongoDB </a:t>
+              <a:t>                           Authentication JSON Web     </a:t>
             </a:r>
           </a:p>
           <a:p>
@@ -11221,7 +10213,7 @@
             </a:pPr>
             <a:r>
               <a:rPr lang="en-IN" sz="2400" dirty="0"/>
-              <a:t>State Management: Redux Toolkit     Authentication JSON Web </a:t>
+              <a:t>State Management: Redux Toolkit    Middleware Cookie-parser </a:t>
             </a:r>
           </a:p>
           <a:p>
@@ -11232,7 +10224,18 @@
             </a:pPr>
             <a:r>
               <a:rPr lang="en-IN" sz="2400" dirty="0"/>
-              <a:t>               	 	 			                 Framework Express.js </a:t>
+              <a:t>                                                            Tokens Security Bcrypt.js</a:t>
+            </a:r>
+          </a:p>
+          <a:p>
+            <a:pPr>
+              <a:lnSpc>
+                <a:spcPct val="200000"/>
+              </a:lnSpc>
+            </a:pPr>
+            <a:r>
+              <a:rPr lang="en-IN" sz="2400" dirty="0"/>
+              <a:t>               	 	 			</a:t>
             </a:r>
           </a:p>
           <a:p>
@@ -11265,7 +10268,7 @@
             </a:pPr>
             <a:r>
               <a:rPr lang="en-IN" sz="2400" dirty="0"/>
-              <a:t>							Tokens Security Bcrypt.js </a:t>
+              <a:t>							</a:t>
             </a:r>
           </a:p>
           <a:p>
@@ -11276,7 +10279,7 @@
             </a:pPr>
             <a:r>
               <a:rPr lang="en-IN" sz="2400" dirty="0"/>
-              <a:t>							  Middleware Cookie-parser </a:t>
+              <a:t>							</a:t>
             </a:r>
           </a:p>
           <a:p>
@@ -11630,36 +10633,6 @@
           </a:p>
         </p:txBody>
       </p:sp>
-      <p:pic>
-        <p:nvPicPr>
-          <p:cNvPr id="4" name="Picture 3">
-            <a:extLst>
-              <a:ext uri="{FF2B5EF4-FFF2-40B4-BE49-F238E27FC236}">
-                <a16:creationId xmlns:a16="http://schemas.microsoft.com/office/drawing/2014/main" id="{E361D27C-54B2-5A69-1717-51BC2C2830D6}"/>
-              </a:ext>
-            </a:extLst>
-          </p:cNvPr>
-          <p:cNvPicPr>
-            <a:picLocks noChangeAspect="1"/>
-          </p:cNvPicPr>
-          <p:nvPr/>
-        </p:nvPicPr>
-        <p:blipFill>
-          <a:blip r:embed="rId3"/>
-          <a:stretch>
-            <a:fillRect/>
-          </a:stretch>
-        </p:blipFill>
-        <p:spPr>
-          <a:xfrm>
-            <a:off x="2173263" y="1724649"/>
-            <a:ext cx="3985068" cy="4951318"/>
-          </a:xfrm>
-          <a:prstGeom prst="rect">
-            <a:avLst/>
-          </a:prstGeom>
-        </p:spPr>
-      </p:pic>
       <p:sp>
         <p:nvSpPr>
           <p:cNvPr id="5" name="TextBox 4">
@@ -11674,7 +10647,7 @@
         </p:nvSpPr>
         <p:spPr>
           <a:xfrm>
-            <a:off x="1016060" y="965336"/>
+            <a:off x="1016060" y="1082070"/>
             <a:ext cx="5954677" cy="1323439"/>
           </a:xfrm>
           <a:prstGeom prst="rect">
@@ -11691,12 +10664,127 @@
             <a:pPr algn="ctr"/>
             <a:r>
               <a:rPr lang="en-IN" sz="4000" dirty="0"/>
-              <a:t>Prototype Images </a:t>
+              <a:t>Features </a:t>
             </a:r>
           </a:p>
           <a:p>
             <a:pPr algn="ctr"/>
             <a:endParaRPr lang="en-IN" sz="4000" dirty="0"/>
+          </a:p>
+        </p:txBody>
+      </p:sp>
+      <p:sp>
+        <p:nvSpPr>
+          <p:cNvPr id="6" name="TextBox 5">
+            <a:extLst>
+              <a:ext uri="{FF2B5EF4-FFF2-40B4-BE49-F238E27FC236}">
+                <a16:creationId xmlns:a16="http://schemas.microsoft.com/office/drawing/2014/main" id="{E8AF3465-CCCE-987D-704E-4FA6C3295163}"/>
+              </a:ext>
+            </a:extLst>
+          </p:cNvPr>
+          <p:cNvSpPr txBox="1"/>
+          <p:nvPr/>
+        </p:nvSpPr>
+        <p:spPr>
+          <a:xfrm>
+            <a:off x="1221930" y="1867169"/>
+            <a:ext cx="5280470" cy="4385816"/>
+          </a:xfrm>
+          <a:prstGeom prst="rect">
+            <a:avLst/>
+          </a:prstGeom>
+          <a:noFill/>
+        </p:spPr>
+        <p:txBody>
+          <a:bodyPr wrap="square" rtlCol="0">
+            <a:spAutoFit/>
+          </a:bodyPr>
+          <a:lstStyle/>
+          <a:p>
+            <a:pPr marL="285750" indent="-285750">
+              <a:lnSpc>
+                <a:spcPct val="250000"/>
+              </a:lnSpc>
+              <a:buFont typeface="Wingdings" panose="05000000000000000000" pitchFamily="2" charset="2"/>
+              <a:buChar char="Ø"/>
+            </a:pPr>
+            <a:r>
+              <a:rPr lang="en-IN" dirty="0"/>
+              <a:t>Auto Allocation In Allotment List</a:t>
+            </a:r>
+          </a:p>
+          <a:p>
+            <a:pPr marL="285750" indent="-285750">
+              <a:lnSpc>
+                <a:spcPct val="250000"/>
+              </a:lnSpc>
+              <a:buFont typeface="Wingdings" panose="05000000000000000000" pitchFamily="2" charset="2"/>
+              <a:buChar char="Ø"/>
+            </a:pPr>
+            <a:r>
+              <a:rPr lang="en-IN" dirty="0"/>
+              <a:t>Room Maintenance Form</a:t>
+            </a:r>
+          </a:p>
+          <a:p>
+            <a:pPr marL="285750" indent="-285750">
+              <a:lnSpc>
+                <a:spcPct val="250000"/>
+              </a:lnSpc>
+              <a:buFont typeface="Wingdings" panose="05000000000000000000" pitchFamily="2" charset="2"/>
+              <a:buChar char="Ø"/>
+            </a:pPr>
+            <a:r>
+              <a:rPr lang="en-IN" dirty="0"/>
+              <a:t>Guest Allocation</a:t>
+            </a:r>
+          </a:p>
+          <a:p>
+            <a:pPr marL="285750" indent="-285750">
+              <a:lnSpc>
+                <a:spcPct val="250000"/>
+              </a:lnSpc>
+              <a:buFont typeface="Wingdings" panose="05000000000000000000" pitchFamily="2" charset="2"/>
+              <a:buChar char="Ø"/>
+            </a:pPr>
+            <a:r>
+              <a:rPr lang="en-IN" dirty="0"/>
+              <a:t>Room Allocation</a:t>
+            </a:r>
+          </a:p>
+          <a:p>
+            <a:pPr marL="285750" indent="-285750">
+              <a:lnSpc>
+                <a:spcPct val="250000"/>
+              </a:lnSpc>
+              <a:buFont typeface="Wingdings" panose="05000000000000000000" pitchFamily="2" charset="2"/>
+              <a:buChar char="Ø"/>
+            </a:pPr>
+            <a:r>
+              <a:rPr lang="en-IN" dirty="0"/>
+              <a:t>Report Generation</a:t>
+            </a:r>
+          </a:p>
+          <a:p>
+            <a:pPr marL="285750" indent="-285750" algn="ctr">
+              <a:buFont typeface="Wingdings" panose="05000000000000000000" pitchFamily="2" charset="2"/>
+              <a:buChar char="Ø"/>
+            </a:pPr>
+            <a:endParaRPr lang="en-IN" dirty="0"/>
+          </a:p>
+          <a:p>
+            <a:pPr algn="ctr"/>
+            <a:r>
+              <a:rPr lang="en-IN" dirty="0"/>
+              <a:t>             </a:t>
+            </a:r>
+          </a:p>
+          <a:p>
+            <a:pPr marL="285750" indent="-285750">
+              <a:buFont typeface="Wingdings" panose="05000000000000000000" pitchFamily="2" charset="2"/>
+              <a:buChar char="Ø"/>
+            </a:pPr>
+            <a:endParaRPr lang="en-IN" dirty="0"/>
           </a:p>
         </p:txBody>
       </p:sp>
@@ -11935,51 +11023,79 @@
       </p:grpSp>
       <p:sp>
         <p:nvSpPr>
-          <p:cNvPr id="2" name="TextBox 1">
+          <p:cNvPr id="2" name="Rectangle 1">
             <a:extLst>
               <a:ext uri="{FF2B5EF4-FFF2-40B4-BE49-F238E27FC236}">
-                <a16:creationId xmlns:a16="http://schemas.microsoft.com/office/drawing/2014/main" id="{C3026B35-CAFB-429E-1606-C844722F90D7}"/>
+                <a16:creationId xmlns:a16="http://schemas.microsoft.com/office/drawing/2014/main" id="{87B6F943-C8D2-4868-F286-B7E7FB334943}"/>
               </a:ext>
             </a:extLst>
           </p:cNvPr>
-          <p:cNvSpPr txBox="1"/>
+          <p:cNvSpPr>
+            <a:spLocks noChangeArrowheads="1"/>
+          </p:cNvSpPr>
           <p:nvPr/>
         </p:nvSpPr>
-        <p:spPr>
+        <p:spPr bwMode="auto">
           <a:xfrm>
-            <a:off x="272390" y="1615439"/>
-            <a:ext cx="8008010" cy="718466"/>
+            <a:off x="0" y="0"/>
+            <a:ext cx="9144000" cy="0"/>
           </a:xfrm>
           <a:prstGeom prst="rect">
             <a:avLst/>
           </a:prstGeom>
           <a:noFill/>
+          <a:ln>
+            <a:noFill/>
+          </a:ln>
+          <a:effectLst/>
+          <a:extLst>
+            <a:ext uri="{909E8E84-426E-40DD-AFC4-6F175D3DCCD1}">
+              <a14:hiddenFill xmlns:a14="http://schemas.microsoft.com/office/drawing/2010/main">
+                <a:solidFill>
+                  <a:schemeClr val="accent1"/>
+                </a:solidFill>
+              </a14:hiddenFill>
+            </a:ext>
+            <a:ext uri="{91240B29-F687-4F45-9708-019B960494DF}">
+              <a14:hiddenLine xmlns:a14="http://schemas.microsoft.com/office/drawing/2010/main" w="9525">
+                <a:solidFill>
+                  <a:schemeClr val="tx1"/>
+                </a:solidFill>
+                <a:miter lim="800000"/>
+                <a:headEnd/>
+                <a:tailEnd/>
+              </a14:hiddenLine>
+            </a:ext>
+            <a:ext uri="{AF507438-7753-43E0-B8FC-AC1667EBCBE1}">
+              <a14:hiddenEffects xmlns:a14="http://schemas.microsoft.com/office/drawing/2010/main">
+                <a:effectLst>
+                  <a:outerShdw dist="35921" dir="2700000" algn="ctr" rotWithShape="0">
+                    <a:schemeClr val="bg2"/>
+                  </a:outerShdw>
+                </a:effectLst>
+              </a14:hiddenEffects>
+            </a:ext>
+          </a:extLst>
         </p:spPr>
         <p:txBody>
-          <a:bodyPr wrap="square" rtlCol="0">
+          <a:bodyPr vert="horz" wrap="none" lIns="91440" tIns="45720" rIns="91440" bIns="45720" numCol="1" anchor="ctr" anchorCtr="0" compatLnSpc="1">
+            <a:prstTxWarp prst="textNoShape">
+              <a:avLst/>
+            </a:prstTxWarp>
             <a:spAutoFit/>
           </a:bodyPr>
           <a:lstStyle/>
           <a:p>
-            <a:pPr>
-              <a:lnSpc>
-                <a:spcPct val="200000"/>
-              </a:lnSpc>
-            </a:pPr>
-            <a:r>
-              <a:rPr lang="en-IN" sz="2400" dirty="0"/>
-              <a:t>	 	 	</a:t>
-            </a:r>
-            <a:endParaRPr lang="en-IN" sz="4000" dirty="0"/>
+            <a:endParaRPr lang="en-IN"/>
           </a:p>
         </p:txBody>
       </p:sp>
       <p:pic>
         <p:nvPicPr>
-          <p:cNvPr id="10" name="Picture 9">
+          <p:cNvPr id="8" name="Picture 7">
             <a:extLst>
               <a:ext uri="{FF2B5EF4-FFF2-40B4-BE49-F238E27FC236}">
-                <a16:creationId xmlns:a16="http://schemas.microsoft.com/office/drawing/2014/main" id="{4FBCCD4B-697D-023D-9FAF-53DF77B8E380}"/>
+                <a16:creationId xmlns:a16="http://schemas.microsoft.com/office/drawing/2014/main" id="{4ED020C7-D6A4-B0A9-A6C8-85AD606EC46F}"/>
               </a:ext>
             </a:extLst>
           </p:cNvPr>
@@ -11996,24 +11112,90 @@
         </p:blipFill>
         <p:spPr>
           <a:xfrm>
-            <a:off x="1916199" y="1226580"/>
-            <a:ext cx="5176245" cy="5436172"/>
+            <a:off x="2683497" y="1226579"/>
+            <a:ext cx="4547038" cy="4877888"/>
           </a:xfrm>
           <a:prstGeom prst="rect">
             <a:avLst/>
           </a:prstGeom>
         </p:spPr>
       </p:pic>
+      <p:sp>
+        <p:nvSpPr>
+          <p:cNvPr id="9" name="TextBox 8">
+            <a:extLst>
+              <a:ext uri="{FF2B5EF4-FFF2-40B4-BE49-F238E27FC236}">
+                <a16:creationId xmlns:a16="http://schemas.microsoft.com/office/drawing/2014/main" id="{9D11597E-B1F2-963F-0916-B6A5AA8ACCE9}"/>
+              </a:ext>
+            </a:extLst>
+          </p:cNvPr>
+          <p:cNvSpPr txBox="1"/>
+          <p:nvPr/>
+        </p:nvSpPr>
+        <p:spPr>
+          <a:xfrm>
+            <a:off x="211666" y="1447799"/>
+            <a:ext cx="2590800" cy="830997"/>
+          </a:xfrm>
+          <a:prstGeom prst="rect">
+            <a:avLst/>
+          </a:prstGeom>
+          <a:noFill/>
+        </p:spPr>
+        <p:txBody>
+          <a:bodyPr wrap="square" rtlCol="0">
+            <a:spAutoFit/>
+          </a:bodyPr>
+          <a:lstStyle/>
+          <a:p>
+            <a:r>
+              <a:rPr lang="en-IN" sz="2400" dirty="0">
+                <a:effectLst>
+                  <a:outerShdw blurRad="38100" dist="38100" dir="2700000" algn="tl">
+                    <a:srgbClr val="000000">
+                      <a:alpha val="43137"/>
+                    </a:srgbClr>
+                  </a:outerShdw>
+                </a:effectLst>
+              </a:rPr>
+              <a:t>Architecture</a:t>
+            </a:r>
+          </a:p>
+          <a:p>
+            <a:pPr algn="ctr"/>
+            <a:r>
+              <a:rPr lang="en-IN" sz="2400" dirty="0">
+                <a:effectLst>
+                  <a:outerShdw blurRad="38100" dist="38100" dir="2700000" algn="tl">
+                    <a:srgbClr val="000000">
+                      <a:alpha val="43137"/>
+                    </a:srgbClr>
+                  </a:outerShdw>
+                </a:effectLst>
+              </a:rPr>
+              <a:t>Diagram: </a:t>
+            </a:r>
+          </a:p>
+        </p:txBody>
+      </p:sp>
     </p:spTree>
     <p:extLst>
       <p:ext uri="{BB962C8B-B14F-4D97-AF65-F5344CB8AC3E}">
-        <p14:creationId xmlns:p14="http://schemas.microsoft.com/office/powerpoint/2010/main" val="312390038"/>
+        <p14:creationId xmlns:p14="http://schemas.microsoft.com/office/powerpoint/2010/main" val="2984622868"/>
       </p:ext>
     </p:extLst>
   </p:cSld>
   <p:clrMapOvr>
     <a:masterClrMapping/>
   </p:clrMapOvr>
+  <mc:AlternateContent xmlns:mc="http://schemas.openxmlformats.org/markup-compatibility/2006">
+    <mc:Choice xmlns:p14="http://schemas.microsoft.com/office/powerpoint/2010/main" Requires="p14">
+      <p:transition p14:dur="10"/>
+    </mc:Choice>
+    <mc:Fallback>
+      <p:transition/>
+    </mc:Fallback>
+  </mc:AlternateContent>
 </p:sld>
 </file>
 
@@ -12237,46 +11419,107 @@
           </p:txBody>
         </p:sp>
       </p:grpSp>
-      <p:pic>
-        <p:nvPicPr>
-          <p:cNvPr id="6" name="Picture 5" descr="A screenshot of a computer&#10;&#10;Description automatically generated">
+      <p:sp>
+        <p:nvSpPr>
+          <p:cNvPr id="3" name="TextBox 2">
             <a:extLst>
               <a:ext uri="{FF2B5EF4-FFF2-40B4-BE49-F238E27FC236}">
-                <a16:creationId xmlns:a16="http://schemas.microsoft.com/office/drawing/2014/main" id="{374ACAC9-7C8C-E1EA-1F9B-948275C7D39C}"/>
+                <a16:creationId xmlns:a16="http://schemas.microsoft.com/office/drawing/2014/main" id="{4E6122EA-AD2A-BE9D-B3AA-1C7093515269}"/>
               </a:ext>
             </a:extLst>
           </p:cNvPr>
-          <p:cNvPicPr>
-            <a:picLocks noChangeAspect="1"/>
-          </p:cNvPicPr>
+          <p:cNvSpPr txBox="1"/>
           <p:nvPr/>
-        </p:nvPicPr>
-        <p:blipFill>
-          <a:blip r:embed="rId3">
-            <a:extLst>
-              <a:ext uri="{28A0092B-C50C-407E-A947-70E740481C1C}">
-                <a14:useLocalDpi xmlns:a14="http://schemas.microsoft.com/office/drawing/2010/main" val="0"/>
-              </a:ext>
-            </a:extLst>
-          </a:blip>
-          <a:stretch>
-            <a:fillRect/>
-          </a:stretch>
-        </p:blipFill>
+        </p:nvSpPr>
         <p:spPr>
           <a:xfrm>
-            <a:off x="218440" y="1791335"/>
-            <a:ext cx="7426960" cy="4240530"/>
+            <a:off x="1981200" y="1067160"/>
+            <a:ext cx="3962400" cy="646331"/>
           </a:xfrm>
           <a:prstGeom prst="rect">
             <a:avLst/>
           </a:prstGeom>
+          <a:noFill/>
         </p:spPr>
-      </p:pic>
+        <p:txBody>
+          <a:bodyPr wrap="square" rtlCol="0">
+            <a:spAutoFit/>
+          </a:bodyPr>
+          <a:lstStyle/>
+          <a:p>
+            <a:pPr algn="ctr"/>
+            <a:r>
+              <a:rPr lang="en-IN" sz="3600" dirty="0">
+                <a:effectLst>
+                  <a:outerShdw blurRad="38100" dist="38100" dir="2700000" algn="tl">
+                    <a:srgbClr val="000000">
+                      <a:alpha val="43137"/>
+                    </a:srgbClr>
+                  </a:outerShdw>
+                </a:effectLst>
+              </a:rPr>
+              <a:t>Future Scope</a:t>
+            </a:r>
+          </a:p>
+        </p:txBody>
+      </p:sp>
+      <p:sp>
+        <p:nvSpPr>
+          <p:cNvPr id="4" name="TextBox 3">
+            <a:extLst>
+              <a:ext uri="{FF2B5EF4-FFF2-40B4-BE49-F238E27FC236}">
+                <a16:creationId xmlns:a16="http://schemas.microsoft.com/office/drawing/2014/main" id="{D61EF4AD-D53A-90CA-E968-8BBE5050480D}"/>
+              </a:ext>
+            </a:extLst>
+          </p:cNvPr>
+          <p:cNvSpPr txBox="1"/>
+          <p:nvPr/>
+        </p:nvSpPr>
+        <p:spPr>
+          <a:xfrm>
+            <a:off x="1044347" y="1889841"/>
+            <a:ext cx="6262387" cy="3323987"/>
+          </a:xfrm>
+          <a:prstGeom prst="rect">
+            <a:avLst/>
+          </a:prstGeom>
+          <a:noFill/>
+        </p:spPr>
+        <p:txBody>
+          <a:bodyPr wrap="square" rtlCol="0">
+            <a:spAutoFit/>
+          </a:bodyPr>
+          <a:lstStyle/>
+          <a:p>
+            <a:r>
+              <a:rPr lang="en-US" sz="2400" dirty="0"/>
+              <a:t>Mess Billing and No Due Certificates</a:t>
+            </a:r>
+            <a:r>
+              <a:rPr lang="en-US" dirty="0"/>
+              <a:t> The mess staff can add or clear bills in the system, and notifications will be sent to each student on their profiles. Once all bills are settled by the mess staff and hostel administrators, a digital no-due certificate will be automatically generated for hostel allocation</a:t>
+            </a:r>
+          </a:p>
+          <a:p>
+            <a:endParaRPr lang="en-US" dirty="0"/>
+          </a:p>
+          <a:p>
+            <a:r>
+              <a:rPr lang="en-US" sz="2400" dirty="0"/>
+              <a:t>Automatic Allotment System </a:t>
+            </a:r>
+            <a:r>
+              <a:rPr lang="en-US" dirty="0"/>
+              <a:t>Once the administration has assigned students their allotment, the students can then submit their preferred room choices in order of priority. The application will assign rooms automatically according to the allotment sequence, pending approval by the administrators</a:t>
+            </a:r>
+            <a:endParaRPr lang="en-IN" dirty="0"/>
+          </a:p>
+        </p:txBody>
+      </p:sp>
     </p:spTree>
     <p:extLst>
       <p:ext uri="{BB962C8B-B14F-4D97-AF65-F5344CB8AC3E}">
-        <p14:creationId xmlns:p14="http://schemas.microsoft.com/office/powerpoint/2010/main" val="3814168608"/>
+        <p14:creationId xmlns:p14="http://schemas.microsoft.com/office/powerpoint/2010/main" val="361098763"/>
       </p:ext>
     </p:extLst>
   </p:cSld>
@@ -12506,315 +11749,53 @@
           </p:txBody>
         </p:sp>
       </p:grpSp>
-      <p:pic>
-        <p:nvPicPr>
-          <p:cNvPr id="3" name="Picture 2" descr="A screenshot of a computer&#10;&#10;Description automatically generated">
+      <p:sp>
+        <p:nvSpPr>
+          <p:cNvPr id="3" name="TextBox 2">
             <a:extLst>
               <a:ext uri="{FF2B5EF4-FFF2-40B4-BE49-F238E27FC236}">
-                <a16:creationId xmlns:a16="http://schemas.microsoft.com/office/drawing/2014/main" id="{60411A8A-0C0E-4B80-EF1E-A6F9A997F8EA}"/>
+                <a16:creationId xmlns:a16="http://schemas.microsoft.com/office/drawing/2014/main" id="{A77D15B1-0A6F-93E6-95F1-F0DD15994109}"/>
               </a:ext>
             </a:extLst>
           </p:cNvPr>
-          <p:cNvPicPr>
-            <a:picLocks noChangeAspect="1"/>
-          </p:cNvPicPr>
+          <p:cNvSpPr txBox="1"/>
           <p:nvPr/>
-        </p:nvPicPr>
-        <p:blipFill>
-          <a:blip r:embed="rId3">
-            <a:extLst>
-              <a:ext uri="{28A0092B-C50C-407E-A947-70E740481C1C}">
-                <a14:useLocalDpi xmlns:a14="http://schemas.microsoft.com/office/drawing/2010/main" val="0"/>
-              </a:ext>
-            </a:extLst>
-          </a:blip>
-          <a:stretch>
-            <a:fillRect/>
-          </a:stretch>
-        </p:blipFill>
+        </p:nvSpPr>
         <p:spPr>
           <a:xfrm>
-            <a:off x="283134" y="1837266"/>
-            <a:ext cx="7637041" cy="3996773"/>
+            <a:off x="2573867" y="2362200"/>
+            <a:ext cx="3198504" cy="707886"/>
           </a:xfrm>
           <a:prstGeom prst="rect">
             <a:avLst/>
           </a:prstGeom>
+          <a:noFill/>
         </p:spPr>
-      </p:pic>
+        <p:txBody>
+          <a:bodyPr wrap="none" rtlCol="0">
+            <a:spAutoFit/>
+          </a:bodyPr>
+          <a:lstStyle/>
+          <a:p>
+            <a:r>
+              <a:rPr lang="en-IN" sz="4000" dirty="0">
+                <a:effectLst>
+                  <a:outerShdw blurRad="38100" dist="38100" dir="2700000" algn="tl">
+                    <a:srgbClr val="000000">
+                      <a:alpha val="43137"/>
+                    </a:srgbClr>
+                  </a:outerShdw>
+                </a:effectLst>
+              </a:rPr>
+              <a:t>THANK YOU</a:t>
+            </a:r>
+          </a:p>
+        </p:txBody>
+      </p:sp>
     </p:spTree>
     <p:extLst>
       <p:ext uri="{BB962C8B-B14F-4D97-AF65-F5344CB8AC3E}">
-        <p14:creationId xmlns:p14="http://schemas.microsoft.com/office/powerpoint/2010/main" val="3532092773"/>
-      </p:ext>
-    </p:extLst>
-  </p:cSld>
-  <p:clrMapOvr>
-    <a:masterClrMapping/>
-  </p:clrMapOvr>
-</p:sld>
-</file>
-
-<file path=ppt/slides/slide9.xml><?xml version="1.0" encoding="utf-8"?>
-<p:sld xmlns:a="http://schemas.openxmlformats.org/drawingml/2006/main" xmlns:r="http://schemas.openxmlformats.org/officeDocument/2006/relationships" xmlns:p="http://schemas.openxmlformats.org/presentationml/2006/main">
-  <p:cSld>
-    <p:spTree>
-      <p:nvGrpSpPr>
-        <p:cNvPr id="1" name=""/>
-        <p:cNvGrpSpPr/>
-        <p:nvPr/>
-      </p:nvGrpSpPr>
-      <p:grpSpPr>
-        <a:xfrm>
-          <a:off x="0" y="0"/>
-          <a:ext cx="0" cy="0"/>
-          <a:chOff x="0" y="0"/>
-          <a:chExt cx="0" cy="0"/>
-        </a:xfrm>
-      </p:grpSpPr>
-      <p:grpSp>
-        <p:nvGrpSpPr>
-          <p:cNvPr id="41" name="Group 8"/>
-          <p:cNvGrpSpPr/>
-          <p:nvPr/>
-        </p:nvGrpSpPr>
-        <p:grpSpPr>
-          <a:xfrm>
-            <a:off x="180" y="77835"/>
-            <a:ext cx="9143820" cy="1032525"/>
-            <a:chOff x="0" y="4243980"/>
-            <a:chExt cx="12191760" cy="1376700"/>
-          </a:xfrm>
-        </p:grpSpPr>
-        <p:sp>
-          <p:nvSpPr>
-            <p:cNvPr id="42" name="TextBox 5"/>
-            <p:cNvSpPr/>
-            <p:nvPr/>
-          </p:nvSpPr>
-          <p:spPr>
-            <a:xfrm>
-              <a:off x="1245467" y="4243980"/>
-              <a:ext cx="9249480" cy="1106541"/>
-            </a:xfrm>
-            <a:prstGeom prst="rect">
-              <a:avLst/>
-            </a:prstGeom>
-            <a:noFill/>
-            <a:ln w="0">
-              <a:noFill/>
-            </a:ln>
-          </p:spPr>
-          <p:style>
-            <a:lnRef idx="0">
-              <a:scrgbClr r="0" g="0" b="0"/>
-            </a:lnRef>
-            <a:fillRef idx="0">
-              <a:scrgbClr r="0" g="0" b="0"/>
-            </a:fillRef>
-            <a:effectRef idx="0">
-              <a:scrgbClr r="0" g="0" b="0"/>
-            </a:effectRef>
-            <a:fontRef idx="minor"/>
-          </p:style>
-          <p:txBody>
-            <a:bodyPr lIns="67500" tIns="33750" rIns="67500" bIns="33750" anchor="t">
-              <a:spAutoFit/>
-            </a:bodyPr>
-            <a:lstStyle/>
-            <a:p>
-              <a:pPr algn="ctr" defTabSz="685800"/>
-              <a:r>
-                <a:rPr lang="en-US" b="1" spc="-1" dirty="0">
-                  <a:solidFill>
-                    <a:schemeClr val="accent1">
-                      <a:lumMod val="50000"/>
-                    </a:schemeClr>
-                  </a:solidFill>
-                  <a:latin typeface="Times New Roman"/>
-                </a:rPr>
-                <a:t>COEP Technological University</a:t>
-              </a:r>
-              <a:endParaRPr lang="en-US" spc="-1" dirty="0">
-                <a:solidFill>
-                  <a:srgbClr val="000000"/>
-                </a:solidFill>
-                <a:latin typeface="Arial"/>
-              </a:endParaRPr>
-            </a:p>
-            <a:p>
-              <a:pPr algn="ctr" defTabSz="685800"/>
-              <a:r>
-                <a:rPr lang="en-US" b="1" spc="-1" dirty="0">
-                  <a:solidFill>
-                    <a:schemeClr val="accent1">
-                      <a:lumMod val="50000"/>
-                    </a:schemeClr>
-                  </a:solidFill>
-                  <a:latin typeface="Times New Roman"/>
-                </a:rPr>
-                <a:t> </a:t>
-              </a:r>
-              <a:r>
-                <a:rPr lang="en-US" sz="1350" b="1" spc="-1" dirty="0">
-                  <a:solidFill>
-                    <a:schemeClr val="accent1">
-                      <a:lumMod val="50000"/>
-                    </a:schemeClr>
-                  </a:solidFill>
-                  <a:latin typeface="Times New Roman"/>
-                </a:rPr>
-                <a:t>A Unitary Public University of Govt. of Maharashtra</a:t>
-              </a:r>
-              <a:endParaRPr lang="en-US" sz="1350" spc="-1" dirty="0">
-                <a:solidFill>
-                  <a:srgbClr val="000000"/>
-                </a:solidFill>
-                <a:latin typeface="Arial"/>
-              </a:endParaRPr>
-            </a:p>
-            <a:p>
-              <a:pPr algn="ctr" defTabSz="685800"/>
-              <a:r>
-                <a:rPr lang="en-US" sz="1350" b="1" spc="-1" dirty="0">
-                  <a:solidFill>
-                    <a:schemeClr val="accent1">
-                      <a:lumMod val="50000"/>
-                    </a:schemeClr>
-                  </a:solidFill>
-                  <a:latin typeface="Times New Roman"/>
-                </a:rPr>
-                <a:t>Formerly College of Engineering Pune</a:t>
-              </a:r>
-              <a:endParaRPr lang="en-US" sz="1350" spc="-1" dirty="0">
-                <a:solidFill>
-                  <a:srgbClr val="000000"/>
-                </a:solidFill>
-                <a:latin typeface="Arial"/>
-              </a:endParaRPr>
-            </a:p>
-          </p:txBody>
-        </p:sp>
-        <p:pic>
-          <p:nvPicPr>
-            <p:cNvPr id="43" name="Picture 6" descr="Home"/>
-            <p:cNvPicPr/>
-            <p:nvPr/>
-          </p:nvPicPr>
-          <p:blipFill>
-            <a:blip r:embed="rId2"/>
-            <a:srcRect r="67914"/>
-            <a:stretch/>
-          </p:blipFill>
-          <p:spPr>
-            <a:xfrm>
-              <a:off x="186840" y="4320281"/>
-              <a:ext cx="1442160" cy="1107720"/>
-            </a:xfrm>
-            <a:prstGeom prst="rect">
-              <a:avLst/>
-            </a:prstGeom>
-            <a:ln w="0">
-              <a:noFill/>
-            </a:ln>
-          </p:spPr>
-        </p:pic>
-        <p:sp>
-          <p:nvSpPr>
-            <p:cNvPr id="44" name="Rectangle 7"/>
-            <p:cNvSpPr/>
-            <p:nvPr/>
-          </p:nvSpPr>
-          <p:spPr>
-            <a:xfrm>
-              <a:off x="0" y="5505480"/>
-              <a:ext cx="12191760" cy="115200"/>
-            </a:xfrm>
-            <a:prstGeom prst="rect">
-              <a:avLst/>
-            </a:prstGeom>
-            <a:solidFill>
-              <a:schemeClr val="accent1">
-                <a:lumMod val="50000"/>
-              </a:schemeClr>
-            </a:solidFill>
-            <a:ln>
-              <a:solidFill>
-                <a:srgbClr val="325490"/>
-              </a:solidFill>
-            </a:ln>
-          </p:spPr>
-          <p:style>
-            <a:lnRef idx="2">
-              <a:schemeClr val="accent1">
-                <a:shade val="50000"/>
-              </a:schemeClr>
-            </a:lnRef>
-            <a:fillRef idx="1">
-              <a:schemeClr val="accent1"/>
-            </a:fillRef>
-            <a:effectRef idx="0">
-              <a:schemeClr val="accent1"/>
-            </a:effectRef>
-            <a:fontRef idx="minor"/>
-          </p:style>
-          <p:txBody>
-            <a:bodyPr lIns="67500" tIns="33750" rIns="67500" bIns="33750" anchor="ctr">
-              <a:noAutofit/>
-            </a:bodyPr>
-            <a:lstStyle/>
-            <a:p>
-              <a:pPr algn="ctr" defTabSz="685800"/>
-              <a:endParaRPr lang="en-IN" sz="1350" spc="-1">
-                <a:solidFill>
-                  <a:schemeClr val="lt1"/>
-                </a:solidFill>
-                <a:latin typeface="Calibri"/>
-              </a:endParaRPr>
-            </a:p>
-          </p:txBody>
-        </p:sp>
-      </p:grpSp>
-      <p:pic>
-        <p:nvPicPr>
-          <p:cNvPr id="5" name="Picture 4" descr="A screenshot of a computer&#10;&#10;Description automatically generated">
-            <a:extLst>
-              <a:ext uri="{FF2B5EF4-FFF2-40B4-BE49-F238E27FC236}">
-                <a16:creationId xmlns:a16="http://schemas.microsoft.com/office/drawing/2014/main" id="{05C80207-B3AF-63E1-2CCF-02F75B5E4496}"/>
-              </a:ext>
-            </a:extLst>
-          </p:cNvPr>
-          <p:cNvPicPr>
-            <a:picLocks noChangeAspect="1"/>
-          </p:cNvPicPr>
-          <p:nvPr/>
-        </p:nvPicPr>
-        <p:blipFill>
-          <a:blip r:embed="rId3">
-            <a:extLst>
-              <a:ext uri="{28A0092B-C50C-407E-A947-70E740481C1C}">
-                <a14:useLocalDpi xmlns:a14="http://schemas.microsoft.com/office/drawing/2010/main" val="0"/>
-              </a:ext>
-            </a:extLst>
-          </a:blip>
-          <a:stretch>
-            <a:fillRect/>
-          </a:stretch>
-        </p:blipFill>
-        <p:spPr>
-          <a:xfrm>
-            <a:off x="298550" y="1498600"/>
-            <a:ext cx="8362710" cy="3970867"/>
-          </a:xfrm>
-          <a:prstGeom prst="rect">
-            <a:avLst/>
-          </a:prstGeom>
-        </p:spPr>
-      </p:pic>
-    </p:spTree>
-    <p:extLst>
-      <p:ext uri="{BB962C8B-B14F-4D97-AF65-F5344CB8AC3E}">
-        <p14:creationId xmlns:p14="http://schemas.microsoft.com/office/powerpoint/2010/main" val="1672846893"/>
+        <p14:creationId xmlns:p14="http://schemas.microsoft.com/office/powerpoint/2010/main" val="3757328131"/>
       </p:ext>
     </p:extLst>
   </p:cSld>
